--- a/Slides/5. Looping and Arrays/looping-and-arrays-slides.pptx
+++ b/Slides/5. Looping and Arrays/looping-and-arrays-slides.pptx
@@ -13869,7 +13869,7 @@
         </p:nvGrpSpPr>
         <p:grpSpPr>
           <a:xfrm>
-            <a:off x="0" y="1828800"/>
+            <a:off x="10160" y="1828800"/>
             <a:ext cx="12181840" cy="5029200"/>
             <a:chOff x="0" y="1828800"/>
             <a:chExt cx="12181840" cy="5029200"/>
@@ -15479,6 +15479,35 @@
               <a:rPr/>
             </a:fld>
             <a:endParaRPr/>
+          </a:p>
+        </p:txBody>
+      </p:sp>
+      <p:sp>
+        <p:nvSpPr>
+          <p:cNvPr id="28" name="Text Box 27"/>
+          <p:cNvSpPr txBox="1"/>
+          <p:nvPr/>
+        </p:nvSpPr>
+        <p:spPr>
+          <a:xfrm>
+            <a:off x="8534400" y="5337175"/>
+            <a:ext cx="581025" cy="368300"/>
+          </a:xfrm>
+          <a:prstGeom prst="rect">
+            <a:avLst/>
+          </a:prstGeom>
+          <a:noFill/>
+        </p:spPr>
+        <p:txBody>
+          <a:bodyPr wrap="square" rtlCol="0">
+            <a:spAutoFit/>
+          </a:bodyPr>
+          <a:p>
+            <a:r>
+              <a:rPr lang="en-US"/>
+              <a:t>40</a:t>
+            </a:r>
+            <a:endParaRPr lang="en-US"/>
           </a:p>
         </p:txBody>
       </p:sp>
